--- a/vscode-pvs/screenshots/vscode-pvs-user-interface.pptx
+++ b/vscode-pvs/screenshots/vscode-pvs-user-interface.pptx
@@ -104,6 +104,11 @@
       </a:defRPr>
     </a:lvl9pPr>
   </p:defaultTextStyle>
+  <p:extLst>
+    <p:ext uri="{EFAFB233-063F-42B5-8137-9DF3F51BA10A}">
+      <p15:sldGuideLst xmlns:p15="http://schemas.microsoft.com/office/powerpoint/2012/main"/>
+    </p:ext>
+  </p:extLst>
 </p:presentation>
 </file>
 
@@ -254,7 +259,7 @@
           <a:p>
             <a:fld id="{238F43D6-CAA3-0448-A70D-1EAA2E9D070A}" type="datetimeFigureOut">
               <a:rPr lang="en-US" smtClean="0"/>
-              <a:t>9/23/20</a:t>
+              <a:t>10/23/20</a:t>
             </a:fld>
             <a:endParaRPr lang="en-US"/>
           </a:p>
@@ -452,7 +457,7 @@
           <a:p>
             <a:fld id="{238F43D6-CAA3-0448-A70D-1EAA2E9D070A}" type="datetimeFigureOut">
               <a:rPr lang="en-US" smtClean="0"/>
-              <a:t>9/23/20</a:t>
+              <a:t>10/23/20</a:t>
             </a:fld>
             <a:endParaRPr lang="en-US"/>
           </a:p>
@@ -660,7 +665,7 @@
           <a:p>
             <a:fld id="{238F43D6-CAA3-0448-A70D-1EAA2E9D070A}" type="datetimeFigureOut">
               <a:rPr lang="en-US" smtClean="0"/>
-              <a:t>9/23/20</a:t>
+              <a:t>10/23/20</a:t>
             </a:fld>
             <a:endParaRPr lang="en-US"/>
           </a:p>
@@ -858,7 +863,7 @@
           <a:p>
             <a:fld id="{238F43D6-CAA3-0448-A70D-1EAA2E9D070A}" type="datetimeFigureOut">
               <a:rPr lang="en-US" smtClean="0"/>
-              <a:t>9/23/20</a:t>
+              <a:t>10/23/20</a:t>
             </a:fld>
             <a:endParaRPr lang="en-US"/>
           </a:p>
@@ -1133,7 +1138,7 @@
           <a:p>
             <a:fld id="{238F43D6-CAA3-0448-A70D-1EAA2E9D070A}" type="datetimeFigureOut">
               <a:rPr lang="en-US" smtClean="0"/>
-              <a:t>9/23/20</a:t>
+              <a:t>10/23/20</a:t>
             </a:fld>
             <a:endParaRPr lang="en-US"/>
           </a:p>
@@ -1398,7 +1403,7 @@
           <a:p>
             <a:fld id="{238F43D6-CAA3-0448-A70D-1EAA2E9D070A}" type="datetimeFigureOut">
               <a:rPr lang="en-US" smtClean="0"/>
-              <a:t>9/23/20</a:t>
+              <a:t>10/23/20</a:t>
             </a:fld>
             <a:endParaRPr lang="en-US"/>
           </a:p>
@@ -1810,7 +1815,7 @@
           <a:p>
             <a:fld id="{238F43D6-CAA3-0448-A70D-1EAA2E9D070A}" type="datetimeFigureOut">
               <a:rPr lang="en-US" smtClean="0"/>
-              <a:t>9/23/20</a:t>
+              <a:t>10/23/20</a:t>
             </a:fld>
             <a:endParaRPr lang="en-US"/>
           </a:p>
@@ -1951,7 +1956,7 @@
           <a:p>
             <a:fld id="{238F43D6-CAA3-0448-A70D-1EAA2E9D070A}" type="datetimeFigureOut">
               <a:rPr lang="en-US" smtClean="0"/>
-              <a:t>9/23/20</a:t>
+              <a:t>10/23/20</a:t>
             </a:fld>
             <a:endParaRPr lang="en-US"/>
           </a:p>
@@ -2064,7 +2069,7 @@
           <a:p>
             <a:fld id="{238F43D6-CAA3-0448-A70D-1EAA2E9D070A}" type="datetimeFigureOut">
               <a:rPr lang="en-US" smtClean="0"/>
-              <a:t>9/23/20</a:t>
+              <a:t>10/23/20</a:t>
             </a:fld>
             <a:endParaRPr lang="en-US"/>
           </a:p>
@@ -2375,7 +2380,7 @@
           <a:p>
             <a:fld id="{238F43D6-CAA3-0448-A70D-1EAA2E9D070A}" type="datetimeFigureOut">
               <a:rPr lang="en-US" smtClean="0"/>
-              <a:t>9/23/20</a:t>
+              <a:t>10/23/20</a:t>
             </a:fld>
             <a:endParaRPr lang="en-US"/>
           </a:p>
@@ -2663,7 +2668,7 @@
           <a:p>
             <a:fld id="{238F43D6-CAA3-0448-A70D-1EAA2E9D070A}" type="datetimeFigureOut">
               <a:rPr lang="en-US" smtClean="0"/>
-              <a:t>9/23/20</a:t>
+              <a:t>10/23/20</a:t>
             </a:fld>
             <a:endParaRPr lang="en-US"/>
           </a:p>
@@ -2904,7 +2909,7 @@
           <a:p>
             <a:fld id="{238F43D6-CAA3-0448-A70D-1EAA2E9D070A}" type="datetimeFigureOut">
               <a:rPr lang="en-US" smtClean="0"/>
-              <a:t>9/23/20</a:t>
+              <a:t>10/23/20</a:t>
             </a:fld>
             <a:endParaRPr lang="en-US"/>
           </a:p>
@@ -3334,10 +3339,10 @@
       </p:grpSpPr>
       <p:pic>
         <p:nvPicPr>
-          <p:cNvPr id="5" name="Picture 4">
-            <a:extLst>
-              <a:ext uri="{FF2B5EF4-FFF2-40B4-BE49-F238E27FC236}">
-                <a16:creationId xmlns:a16="http://schemas.microsoft.com/office/drawing/2014/main" id="{D1A5F048-8C36-ED40-9508-ADE03BE90164}"/>
+          <p:cNvPr id="6" name="Picture 5">
+            <a:extLst>
+              <a:ext uri="{FF2B5EF4-FFF2-40B4-BE49-F238E27FC236}">
+                <a16:creationId xmlns:a16="http://schemas.microsoft.com/office/drawing/2014/main" id="{DC9D6380-082A-A947-9958-C4218DD6720A}"/>
               </a:ext>
             </a:extLst>
           </p:cNvPr>
@@ -3354,8 +3359,8 @@
         </p:blipFill>
         <p:spPr>
           <a:xfrm>
-            <a:off x="1222543" y="488005"/>
-            <a:ext cx="9193045" cy="5881990"/>
+            <a:off x="1229631" y="691831"/>
+            <a:ext cx="9193043" cy="4707615"/>
           </a:xfrm>
           <a:prstGeom prst="rect">
             <a:avLst/>
@@ -3428,8 +3433,8 @@
         </p:nvSpPr>
         <p:spPr>
           <a:xfrm>
-            <a:off x="1588153" y="675715"/>
-            <a:ext cx="2882994" cy="2699497"/>
+            <a:off x="1588152" y="842838"/>
+            <a:ext cx="2289187" cy="1645181"/>
           </a:xfrm>
           <a:prstGeom prst="rect">
             <a:avLst/>
@@ -3480,8 +3485,8 @@
         </p:nvSpPr>
         <p:spPr>
           <a:xfrm>
-            <a:off x="1588153" y="3375213"/>
-            <a:ext cx="2882994" cy="1512794"/>
+            <a:off x="1588153" y="2488019"/>
+            <a:ext cx="2289186" cy="1749068"/>
           </a:xfrm>
           <a:prstGeom prst="rect">
             <a:avLst/>
@@ -3532,8 +3537,8 @@
         </p:nvSpPr>
         <p:spPr>
           <a:xfrm>
-            <a:off x="1588153" y="4883811"/>
-            <a:ext cx="2882994" cy="1298474"/>
+            <a:off x="1588153" y="4237087"/>
+            <a:ext cx="2289186" cy="979955"/>
           </a:xfrm>
           <a:prstGeom prst="rect">
             <a:avLst/>
@@ -3572,10 +3577,10 @@
       </p:sp>
       <p:sp>
         <p:nvSpPr>
-          <p:cNvPr id="11" name="Rectangle 10">
-            <a:extLst>
-              <a:ext uri="{FF2B5EF4-FFF2-40B4-BE49-F238E27FC236}">
-                <a16:creationId xmlns:a16="http://schemas.microsoft.com/office/drawing/2014/main" id="{095668B6-C83D-D74A-B97C-47155D858FC9}"/>
+          <p:cNvPr id="14" name="Rectangle 13">
+            <a:extLst>
+              <a:ext uri="{FF2B5EF4-FFF2-40B4-BE49-F238E27FC236}">
+                <a16:creationId xmlns:a16="http://schemas.microsoft.com/office/drawing/2014/main" id="{2111DDC9-A932-FD49-9BC8-0F900456334D}"/>
               </a:ext>
             </a:extLst>
           </p:cNvPr>
@@ -3584,8 +3589,8 @@
         </p:nvSpPr>
         <p:spPr>
           <a:xfrm>
-            <a:off x="1222543" y="6182285"/>
-            <a:ext cx="2236583" cy="171342"/>
+            <a:off x="3884428" y="842838"/>
+            <a:ext cx="6531160" cy="1645181"/>
           </a:xfrm>
           <a:prstGeom prst="rect">
             <a:avLst/>
@@ -3624,10 +3629,10 @@
       </p:sp>
       <p:sp>
         <p:nvSpPr>
-          <p:cNvPr id="13" name="Rectangle 12">
-            <a:extLst>
-              <a:ext uri="{FF2B5EF4-FFF2-40B4-BE49-F238E27FC236}">
-                <a16:creationId xmlns:a16="http://schemas.microsoft.com/office/drawing/2014/main" id="{A163510E-3019-7D4D-9815-BAD65DDFFA9E}"/>
+          <p:cNvPr id="15" name="Rectangle 14">
+            <a:extLst>
+              <a:ext uri="{FF2B5EF4-FFF2-40B4-BE49-F238E27FC236}">
+                <a16:creationId xmlns:a16="http://schemas.microsoft.com/office/drawing/2014/main" id="{5513292D-0BCC-7B42-93A3-B56899C0CE85}"/>
               </a:ext>
             </a:extLst>
           </p:cNvPr>
@@ -3636,8 +3641,8 @@
         </p:nvSpPr>
         <p:spPr>
           <a:xfrm>
-            <a:off x="9505507" y="6182285"/>
-            <a:ext cx="625180" cy="187710"/>
+            <a:off x="3877339" y="2488019"/>
+            <a:ext cx="6538247" cy="2729023"/>
           </a:xfrm>
           <a:prstGeom prst="rect">
             <a:avLst/>
@@ -3676,110 +3681,6 @@
       </p:sp>
       <p:sp>
         <p:nvSpPr>
-          <p:cNvPr id="14" name="Rectangle 13">
-            <a:extLst>
-              <a:ext uri="{FF2B5EF4-FFF2-40B4-BE49-F238E27FC236}">
-                <a16:creationId xmlns:a16="http://schemas.microsoft.com/office/drawing/2014/main" id="{2111DDC9-A932-FD49-9BC8-0F900456334D}"/>
-              </a:ext>
-            </a:extLst>
-          </p:cNvPr>
-          <p:cNvSpPr/>
-          <p:nvPr/>
-        </p:nvSpPr>
-        <p:spPr>
-          <a:xfrm>
-            <a:off x="4471146" y="675714"/>
-            <a:ext cx="5944441" cy="2699497"/>
-          </a:xfrm>
-          <a:prstGeom prst="rect">
-            <a:avLst/>
-          </a:prstGeom>
-          <a:noFill/>
-          <a:ln w="19050" cmpd="sng">
-            <a:solidFill>
-              <a:srgbClr val="FFFF00"/>
-            </a:solidFill>
-          </a:ln>
-        </p:spPr>
-        <p:style>
-          <a:lnRef idx="2">
-            <a:schemeClr val="accent1">
-              <a:shade val="50000"/>
-            </a:schemeClr>
-          </a:lnRef>
-          <a:fillRef idx="1">
-            <a:schemeClr val="accent1"/>
-          </a:fillRef>
-          <a:effectRef idx="0">
-            <a:schemeClr val="accent1"/>
-          </a:effectRef>
-          <a:fontRef idx="minor">
-            <a:schemeClr val="lt1"/>
-          </a:fontRef>
-        </p:style>
-        <p:txBody>
-          <a:bodyPr rtlCol="0" anchor="ctr"/>
-          <a:lstStyle/>
-          <a:p>
-            <a:pPr algn="ctr"/>
-            <a:endParaRPr lang="en-US"/>
-          </a:p>
-        </p:txBody>
-      </p:sp>
-      <p:sp>
-        <p:nvSpPr>
-          <p:cNvPr id="15" name="Rectangle 14">
-            <a:extLst>
-              <a:ext uri="{FF2B5EF4-FFF2-40B4-BE49-F238E27FC236}">
-                <a16:creationId xmlns:a16="http://schemas.microsoft.com/office/drawing/2014/main" id="{5513292D-0BCC-7B42-93A3-B56899C0CE85}"/>
-              </a:ext>
-            </a:extLst>
-          </p:cNvPr>
-          <p:cNvSpPr/>
-          <p:nvPr/>
-        </p:nvSpPr>
-        <p:spPr>
-          <a:xfrm>
-            <a:off x="4471145" y="3375211"/>
-            <a:ext cx="5944441" cy="2807074"/>
-          </a:xfrm>
-          <a:prstGeom prst="rect">
-            <a:avLst/>
-          </a:prstGeom>
-          <a:noFill/>
-          <a:ln w="19050" cmpd="sng">
-            <a:solidFill>
-              <a:srgbClr val="FFFF00"/>
-            </a:solidFill>
-          </a:ln>
-        </p:spPr>
-        <p:style>
-          <a:lnRef idx="2">
-            <a:schemeClr val="accent1">
-              <a:shade val="50000"/>
-            </a:schemeClr>
-          </a:lnRef>
-          <a:fillRef idx="1">
-            <a:schemeClr val="accent1"/>
-          </a:fillRef>
-          <a:effectRef idx="0">
-            <a:schemeClr val="accent1"/>
-          </a:effectRef>
-          <a:fontRef idx="minor">
-            <a:schemeClr val="lt1"/>
-          </a:fontRef>
-        </p:style>
-        <p:txBody>
-          <a:bodyPr rtlCol="0" anchor="ctr"/>
-          <a:lstStyle/>
-          <a:p>
-            <a:pPr algn="ctr"/>
-            <a:endParaRPr lang="en-US"/>
-          </a:p>
-        </p:txBody>
-      </p:sp>
-      <p:sp>
-        <p:nvSpPr>
           <p:cNvPr id="16" name="Octagon 15">
             <a:extLst>
               <a:ext uri="{FF2B5EF4-FFF2-40B4-BE49-F238E27FC236}">
@@ -3841,7 +3742,7 @@
         </p:nvSpPr>
         <p:spPr>
           <a:xfrm>
-            <a:off x="3034429" y="2263709"/>
+            <a:off x="3331023" y="1301310"/>
             <a:ext cx="364211" cy="357205"/>
           </a:xfrm>
           <a:prstGeom prst="octagon">
@@ -3890,7 +3791,7 @@
         </p:nvSpPr>
         <p:spPr>
           <a:xfrm>
-            <a:off x="8071346" y="2263708"/>
+            <a:off x="7950843" y="1665428"/>
             <a:ext cx="364211" cy="357205"/>
           </a:xfrm>
           <a:prstGeom prst="octagon">
@@ -3939,7 +3840,7 @@
         </p:nvSpPr>
         <p:spPr>
           <a:xfrm>
-            <a:off x="3034429" y="4146121"/>
+            <a:off x="3275668" y="3183950"/>
             <a:ext cx="364211" cy="357205"/>
           </a:xfrm>
           <a:prstGeom prst="octagon">
@@ -3988,7 +3889,7 @@
         </p:nvSpPr>
         <p:spPr>
           <a:xfrm>
-            <a:off x="8071345" y="4152098"/>
+            <a:off x="7950842" y="4058484"/>
             <a:ext cx="364211" cy="357205"/>
           </a:xfrm>
           <a:prstGeom prst="octagon">
@@ -4037,7 +3938,7 @@
         </p:nvSpPr>
         <p:spPr>
           <a:xfrm>
-            <a:off x="3034429" y="5480312"/>
+            <a:off x="3275667" y="4548461"/>
             <a:ext cx="364211" cy="357205"/>
           </a:xfrm>
           <a:prstGeom prst="octagon">
@@ -4068,104 +3969,6 @@
             <a:r>
               <a:rPr lang="en-US" dirty="0"/>
               <a:t>4</a:t>
-            </a:r>
-          </a:p>
-        </p:txBody>
-      </p:sp>
-      <p:sp>
-        <p:nvSpPr>
-          <p:cNvPr id="22" name="Octagon 21">
-            <a:extLst>
-              <a:ext uri="{FF2B5EF4-FFF2-40B4-BE49-F238E27FC236}">
-                <a16:creationId xmlns:a16="http://schemas.microsoft.com/office/drawing/2014/main" id="{5A25C14A-8219-6F46-B125-664D5A1204A7}"/>
-              </a:ext>
-            </a:extLst>
-          </p:cNvPr>
-          <p:cNvSpPr/>
-          <p:nvPr/>
-        </p:nvSpPr>
-        <p:spPr>
-          <a:xfrm>
-            <a:off x="2158728" y="6397549"/>
-            <a:ext cx="364211" cy="357205"/>
-          </a:xfrm>
-          <a:prstGeom prst="octagon">
-            <a:avLst/>
-          </a:prstGeom>
-        </p:spPr>
-        <p:style>
-          <a:lnRef idx="2">
-            <a:schemeClr val="accent1">
-              <a:shade val="50000"/>
-            </a:schemeClr>
-          </a:lnRef>
-          <a:fillRef idx="1">
-            <a:schemeClr val="accent1"/>
-          </a:fillRef>
-          <a:effectRef idx="0">
-            <a:schemeClr val="accent1"/>
-          </a:effectRef>
-          <a:fontRef idx="minor">
-            <a:schemeClr val="lt1"/>
-          </a:fontRef>
-        </p:style>
-        <p:txBody>
-          <a:bodyPr rtlCol="0" anchor="ctr"/>
-          <a:lstStyle/>
-          <a:p>
-            <a:pPr algn="ctr"/>
-            <a:r>
-              <a:rPr lang="en-US" dirty="0"/>
-              <a:t>7</a:t>
-            </a:r>
-          </a:p>
-        </p:txBody>
-      </p:sp>
-      <p:sp>
-        <p:nvSpPr>
-          <p:cNvPr id="23" name="Octagon 22">
-            <a:extLst>
-              <a:ext uri="{FF2B5EF4-FFF2-40B4-BE49-F238E27FC236}">
-                <a16:creationId xmlns:a16="http://schemas.microsoft.com/office/drawing/2014/main" id="{8291887F-0EAB-134E-9E25-E2B322362851}"/>
-              </a:ext>
-            </a:extLst>
-          </p:cNvPr>
-          <p:cNvSpPr/>
-          <p:nvPr/>
-        </p:nvSpPr>
-        <p:spPr>
-          <a:xfrm>
-            <a:off x="9635991" y="6398860"/>
-            <a:ext cx="364211" cy="357205"/>
-          </a:xfrm>
-          <a:prstGeom prst="octagon">
-            <a:avLst/>
-          </a:prstGeom>
-        </p:spPr>
-        <p:style>
-          <a:lnRef idx="2">
-            <a:schemeClr val="accent1">
-              <a:shade val="50000"/>
-            </a:schemeClr>
-          </a:lnRef>
-          <a:fillRef idx="1">
-            <a:schemeClr val="accent1"/>
-          </a:fillRef>
-          <a:effectRef idx="0">
-            <a:schemeClr val="accent1"/>
-          </a:effectRef>
-          <a:fontRef idx="minor">
-            <a:schemeClr val="lt1"/>
-          </a:fontRef>
-        </p:style>
-        <p:txBody>
-          <a:bodyPr rtlCol="0" anchor="ctr"/>
-          <a:lstStyle/>
-          <a:p>
-            <a:pPr algn="ctr"/>
-            <a:r>
-              <a:rPr lang="en-US" dirty="0"/>
-              <a:t>8</a:t>
             </a:r>
           </a:p>
         </p:txBody>

--- a/vscode-pvs/screenshots/vscode-pvs-user-interface.pptx
+++ b/vscode-pvs/screenshots/vscode-pvs-user-interface.pptx
@@ -259,7 +259,7 @@
           <a:p>
             <a:fld id="{238F43D6-CAA3-0448-A70D-1EAA2E9D070A}" type="datetimeFigureOut">
               <a:rPr lang="en-US" smtClean="0"/>
-              <a:t>10/23/20</a:t>
+              <a:t>2/5/21</a:t>
             </a:fld>
             <a:endParaRPr lang="en-US"/>
           </a:p>
@@ -457,7 +457,7 @@
           <a:p>
             <a:fld id="{238F43D6-CAA3-0448-A70D-1EAA2E9D070A}" type="datetimeFigureOut">
               <a:rPr lang="en-US" smtClean="0"/>
-              <a:t>10/23/20</a:t>
+              <a:t>2/5/21</a:t>
             </a:fld>
             <a:endParaRPr lang="en-US"/>
           </a:p>
@@ -665,7 +665,7 @@
           <a:p>
             <a:fld id="{238F43D6-CAA3-0448-A70D-1EAA2E9D070A}" type="datetimeFigureOut">
               <a:rPr lang="en-US" smtClean="0"/>
-              <a:t>10/23/20</a:t>
+              <a:t>2/5/21</a:t>
             </a:fld>
             <a:endParaRPr lang="en-US"/>
           </a:p>
@@ -863,7 +863,7 @@
           <a:p>
             <a:fld id="{238F43D6-CAA3-0448-A70D-1EAA2E9D070A}" type="datetimeFigureOut">
               <a:rPr lang="en-US" smtClean="0"/>
-              <a:t>10/23/20</a:t>
+              <a:t>2/5/21</a:t>
             </a:fld>
             <a:endParaRPr lang="en-US"/>
           </a:p>
@@ -1138,7 +1138,7 @@
           <a:p>
             <a:fld id="{238F43D6-CAA3-0448-A70D-1EAA2E9D070A}" type="datetimeFigureOut">
               <a:rPr lang="en-US" smtClean="0"/>
-              <a:t>10/23/20</a:t>
+              <a:t>2/5/21</a:t>
             </a:fld>
             <a:endParaRPr lang="en-US"/>
           </a:p>
@@ -1403,7 +1403,7 @@
           <a:p>
             <a:fld id="{238F43D6-CAA3-0448-A70D-1EAA2E9D070A}" type="datetimeFigureOut">
               <a:rPr lang="en-US" smtClean="0"/>
-              <a:t>10/23/20</a:t>
+              <a:t>2/5/21</a:t>
             </a:fld>
             <a:endParaRPr lang="en-US"/>
           </a:p>
@@ -1815,7 +1815,7 @@
           <a:p>
             <a:fld id="{238F43D6-CAA3-0448-A70D-1EAA2E9D070A}" type="datetimeFigureOut">
               <a:rPr lang="en-US" smtClean="0"/>
-              <a:t>10/23/20</a:t>
+              <a:t>2/5/21</a:t>
             </a:fld>
             <a:endParaRPr lang="en-US"/>
           </a:p>
@@ -1956,7 +1956,7 @@
           <a:p>
             <a:fld id="{238F43D6-CAA3-0448-A70D-1EAA2E9D070A}" type="datetimeFigureOut">
               <a:rPr lang="en-US" smtClean="0"/>
-              <a:t>10/23/20</a:t>
+              <a:t>2/5/21</a:t>
             </a:fld>
             <a:endParaRPr lang="en-US"/>
           </a:p>
@@ -2069,7 +2069,7 @@
           <a:p>
             <a:fld id="{238F43D6-CAA3-0448-A70D-1EAA2E9D070A}" type="datetimeFigureOut">
               <a:rPr lang="en-US" smtClean="0"/>
-              <a:t>10/23/20</a:t>
+              <a:t>2/5/21</a:t>
             </a:fld>
             <a:endParaRPr lang="en-US"/>
           </a:p>
@@ -2380,7 +2380,7 @@
           <a:p>
             <a:fld id="{238F43D6-CAA3-0448-A70D-1EAA2E9D070A}" type="datetimeFigureOut">
               <a:rPr lang="en-US" smtClean="0"/>
-              <a:t>10/23/20</a:t>
+              <a:t>2/5/21</a:t>
             </a:fld>
             <a:endParaRPr lang="en-US"/>
           </a:p>
@@ -2668,7 +2668,7 @@
           <a:p>
             <a:fld id="{238F43D6-CAA3-0448-A70D-1EAA2E9D070A}" type="datetimeFigureOut">
               <a:rPr lang="en-US" smtClean="0"/>
-              <a:t>10/23/20</a:t>
+              <a:t>2/5/21</a:t>
             </a:fld>
             <a:endParaRPr lang="en-US"/>
           </a:p>
@@ -2909,7 +2909,7 @@
           <a:p>
             <a:fld id="{238F43D6-CAA3-0448-A70D-1EAA2E9D070A}" type="datetimeFigureOut">
               <a:rPr lang="en-US" smtClean="0"/>
-              <a:t>10/23/20</a:t>
+              <a:t>2/5/21</a:t>
             </a:fld>
             <a:endParaRPr lang="en-US"/>
           </a:p>
@@ -3339,10 +3339,10 @@
       </p:grpSpPr>
       <p:pic>
         <p:nvPicPr>
-          <p:cNvPr id="6" name="Picture 5">
-            <a:extLst>
-              <a:ext uri="{FF2B5EF4-FFF2-40B4-BE49-F238E27FC236}">
-                <a16:creationId xmlns:a16="http://schemas.microsoft.com/office/drawing/2014/main" id="{DC9D6380-082A-A947-9958-C4218DD6720A}"/>
+          <p:cNvPr id="3" name="Picture 2">
+            <a:extLst>
+              <a:ext uri="{FF2B5EF4-FFF2-40B4-BE49-F238E27FC236}">
+                <a16:creationId xmlns:a16="http://schemas.microsoft.com/office/drawing/2014/main" id="{55613C92-7BFB-0340-9DF2-5C5C5C57F698}"/>
               </a:ext>
             </a:extLst>
           </p:cNvPr>
@@ -3359,8 +3359,8 @@
         </p:blipFill>
         <p:spPr>
           <a:xfrm>
-            <a:off x="1229631" y="691831"/>
-            <a:ext cx="9193043" cy="4707615"/>
+            <a:off x="1212368" y="449573"/>
+            <a:ext cx="9198734" cy="5810635"/>
           </a:xfrm>
           <a:prstGeom prst="rect">
             <a:avLst/>
@@ -3381,8 +3381,8 @@
         </p:nvSpPr>
         <p:spPr>
           <a:xfrm>
-            <a:off x="1223943" y="2285999"/>
-            <a:ext cx="364210" cy="340243"/>
+            <a:off x="1223943" y="2448049"/>
+            <a:ext cx="364210" cy="368779"/>
           </a:xfrm>
           <a:prstGeom prst="rect">
             <a:avLst/>
@@ -3433,8 +3433,8 @@
         </p:nvSpPr>
         <p:spPr>
           <a:xfrm>
-            <a:off x="1588152" y="842838"/>
-            <a:ext cx="2289187" cy="1645181"/>
+            <a:off x="1588152" y="597792"/>
+            <a:ext cx="3053296" cy="2652825"/>
           </a:xfrm>
           <a:prstGeom prst="rect">
             <a:avLst/>
@@ -3485,8 +3485,8 @@
         </p:nvSpPr>
         <p:spPr>
           <a:xfrm>
-            <a:off x="1588153" y="2488019"/>
-            <a:ext cx="2289186" cy="1749068"/>
+            <a:off x="1588153" y="3250618"/>
+            <a:ext cx="3057782" cy="1588375"/>
           </a:xfrm>
           <a:prstGeom prst="rect">
             <a:avLst/>
@@ -3537,8 +3537,8 @@
         </p:nvSpPr>
         <p:spPr>
           <a:xfrm>
-            <a:off x="1588153" y="4237087"/>
-            <a:ext cx="2289186" cy="979955"/>
+            <a:off x="1588152" y="4838997"/>
+            <a:ext cx="3057782" cy="1237711"/>
           </a:xfrm>
           <a:prstGeom prst="rect">
             <a:avLst/>
@@ -3589,8 +3589,8 @@
         </p:nvSpPr>
         <p:spPr>
           <a:xfrm>
-            <a:off x="3884428" y="842838"/>
-            <a:ext cx="6531160" cy="1645181"/>
+            <a:off x="4641448" y="597792"/>
+            <a:ext cx="5774140" cy="2652827"/>
           </a:xfrm>
           <a:prstGeom prst="rect">
             <a:avLst/>
@@ -3641,8 +3641,8 @@
         </p:nvSpPr>
         <p:spPr>
           <a:xfrm>
-            <a:off x="3877339" y="2488019"/>
-            <a:ext cx="6538247" cy="2729023"/>
+            <a:off x="4641446" y="3250621"/>
+            <a:ext cx="5774140" cy="2826087"/>
           </a:xfrm>
           <a:prstGeom prst="rect">
             <a:avLst/>
@@ -3693,7 +3693,7 @@
         </p:nvSpPr>
         <p:spPr>
           <a:xfrm>
-            <a:off x="754710" y="2285999"/>
+            <a:off x="754710" y="2459623"/>
             <a:ext cx="364211" cy="357205"/>
           </a:xfrm>
           <a:prstGeom prst="octagon">
@@ -3779,10 +3779,10 @@
       </p:sp>
       <p:sp>
         <p:nvSpPr>
-          <p:cNvPr id="18" name="Octagon 17">
-            <a:extLst>
-              <a:ext uri="{FF2B5EF4-FFF2-40B4-BE49-F238E27FC236}">
-                <a16:creationId xmlns:a16="http://schemas.microsoft.com/office/drawing/2014/main" id="{946A918E-F8EE-6F40-9E15-048E3BE0D1CF}"/>
+          <p:cNvPr id="19" name="Octagon 18">
+            <a:extLst>
+              <a:ext uri="{FF2B5EF4-FFF2-40B4-BE49-F238E27FC236}">
+                <a16:creationId xmlns:a16="http://schemas.microsoft.com/office/drawing/2014/main" id="{BD089659-D13B-924B-9EAB-C6CF74210547}"/>
               </a:ext>
             </a:extLst>
           </p:cNvPr>
@@ -3791,7 +3791,7 @@
         </p:nvSpPr>
         <p:spPr>
           <a:xfrm>
-            <a:off x="7950843" y="1665428"/>
+            <a:off x="3275668" y="3635359"/>
             <a:ext cx="364211" cy="357205"/>
           </a:xfrm>
           <a:prstGeom prst="octagon">
@@ -3821,17 +3821,17 @@
             <a:pPr algn="ctr"/>
             <a:r>
               <a:rPr lang="en-US" dirty="0"/>
-              <a:t>5</a:t>
-            </a:r>
-          </a:p>
-        </p:txBody>
-      </p:sp>
-      <p:sp>
-        <p:nvSpPr>
-          <p:cNvPr id="19" name="Octagon 18">
-            <a:extLst>
-              <a:ext uri="{FF2B5EF4-FFF2-40B4-BE49-F238E27FC236}">
-                <a16:creationId xmlns:a16="http://schemas.microsoft.com/office/drawing/2014/main" id="{BD089659-D13B-924B-9EAB-C6CF74210547}"/>
+              <a:t>3</a:t>
+            </a:r>
+          </a:p>
+        </p:txBody>
+      </p:sp>
+      <p:sp>
+        <p:nvSpPr>
+          <p:cNvPr id="20" name="Octagon 19">
+            <a:extLst>
+              <a:ext uri="{FF2B5EF4-FFF2-40B4-BE49-F238E27FC236}">
+                <a16:creationId xmlns:a16="http://schemas.microsoft.com/office/drawing/2014/main" id="{B5A32C2E-4FEF-FF4B-9E40-D6E50B39B121}"/>
               </a:ext>
             </a:extLst>
           </p:cNvPr>
@@ -3840,7 +3840,7 @@
         </p:nvSpPr>
         <p:spPr>
           <a:xfrm>
-            <a:off x="3275668" y="3183950"/>
+            <a:off x="7665480" y="4576811"/>
             <a:ext cx="364211" cy="357205"/>
           </a:xfrm>
           <a:prstGeom prst="octagon">
@@ -3870,17 +3870,17 @@
             <a:pPr algn="ctr"/>
             <a:r>
               <a:rPr lang="en-US" dirty="0"/>
-              <a:t>3</a:t>
-            </a:r>
-          </a:p>
-        </p:txBody>
-      </p:sp>
-      <p:sp>
-        <p:nvSpPr>
-          <p:cNvPr id="20" name="Octagon 19">
-            <a:extLst>
-              <a:ext uri="{FF2B5EF4-FFF2-40B4-BE49-F238E27FC236}">
-                <a16:creationId xmlns:a16="http://schemas.microsoft.com/office/drawing/2014/main" id="{B5A32C2E-4FEF-FF4B-9E40-D6E50B39B121}"/>
+              <a:t>6</a:t>
+            </a:r>
+          </a:p>
+        </p:txBody>
+      </p:sp>
+      <p:sp>
+        <p:nvSpPr>
+          <p:cNvPr id="21" name="Octagon 20">
+            <a:extLst>
+              <a:ext uri="{FF2B5EF4-FFF2-40B4-BE49-F238E27FC236}">
+                <a16:creationId xmlns:a16="http://schemas.microsoft.com/office/drawing/2014/main" id="{1731E1B3-E4F2-A246-BADE-2C282B49133A}"/>
               </a:ext>
             </a:extLst>
           </p:cNvPr>
@@ -3889,7 +3889,7 @@
         </p:nvSpPr>
         <p:spPr>
           <a:xfrm>
-            <a:off x="7950842" y="4058484"/>
+            <a:off x="3275667" y="5335538"/>
             <a:ext cx="364211" cy="357205"/>
           </a:xfrm>
           <a:prstGeom prst="octagon">
@@ -3919,17 +3919,17 @@
             <a:pPr algn="ctr"/>
             <a:r>
               <a:rPr lang="en-US" dirty="0"/>
-              <a:t>6</a:t>
-            </a:r>
-          </a:p>
-        </p:txBody>
-      </p:sp>
-      <p:sp>
-        <p:nvSpPr>
-          <p:cNvPr id="21" name="Octagon 20">
-            <a:extLst>
-              <a:ext uri="{FF2B5EF4-FFF2-40B4-BE49-F238E27FC236}">
-                <a16:creationId xmlns:a16="http://schemas.microsoft.com/office/drawing/2014/main" id="{1731E1B3-E4F2-A246-BADE-2C282B49133A}"/>
+              <a:t>4</a:t>
+            </a:r>
+          </a:p>
+        </p:txBody>
+      </p:sp>
+      <p:sp>
+        <p:nvSpPr>
+          <p:cNvPr id="22" name="Rectangle 21">
+            <a:extLst>
+              <a:ext uri="{FF2B5EF4-FFF2-40B4-BE49-F238E27FC236}">
+                <a16:creationId xmlns:a16="http://schemas.microsoft.com/office/drawing/2014/main" id="{7012E804-99FE-FB4B-A97C-8D65FFC72300}"/>
               </a:ext>
             </a:extLst>
           </p:cNvPr>
@@ -3938,7 +3938,59 @@
         </p:nvSpPr>
         <p:spPr>
           <a:xfrm>
-            <a:off x="3275667" y="4548461"/>
+            <a:off x="7950842" y="597791"/>
+            <a:ext cx="2460260" cy="357205"/>
+          </a:xfrm>
+          <a:prstGeom prst="rect">
+            <a:avLst/>
+          </a:prstGeom>
+          <a:noFill/>
+          <a:ln w="19050" cmpd="sng">
+            <a:solidFill>
+              <a:srgbClr val="FFFF00"/>
+            </a:solidFill>
+          </a:ln>
+        </p:spPr>
+        <p:style>
+          <a:lnRef idx="2">
+            <a:schemeClr val="accent1">
+              <a:shade val="50000"/>
+            </a:schemeClr>
+          </a:lnRef>
+          <a:fillRef idx="1">
+            <a:schemeClr val="accent1"/>
+          </a:fillRef>
+          <a:effectRef idx="0">
+            <a:schemeClr val="accent1"/>
+          </a:effectRef>
+          <a:fontRef idx="minor">
+            <a:schemeClr val="lt1"/>
+          </a:fontRef>
+        </p:style>
+        <p:txBody>
+          <a:bodyPr rtlCol="0" anchor="ctr"/>
+          <a:lstStyle/>
+          <a:p>
+            <a:pPr algn="ctr"/>
+            <a:endParaRPr lang="en-US"/>
+          </a:p>
+        </p:txBody>
+      </p:sp>
+      <p:sp>
+        <p:nvSpPr>
+          <p:cNvPr id="23" name="Octagon 22">
+            <a:extLst>
+              <a:ext uri="{FF2B5EF4-FFF2-40B4-BE49-F238E27FC236}">
+                <a16:creationId xmlns:a16="http://schemas.microsoft.com/office/drawing/2014/main" id="{750DFA25-A98B-E94A-BFA0-25F87B44921C}"/>
+              </a:ext>
+            </a:extLst>
+          </p:cNvPr>
+          <p:cNvSpPr/>
+          <p:nvPr/>
+        </p:nvSpPr>
+        <p:spPr>
+          <a:xfrm>
+            <a:off x="7665480" y="1301310"/>
             <a:ext cx="364211" cy="357205"/>
           </a:xfrm>
           <a:prstGeom prst="octagon">
@@ -3968,7 +4020,56 @@
             <a:pPr algn="ctr"/>
             <a:r>
               <a:rPr lang="en-US" dirty="0"/>
-              <a:t>4</a:t>
+              <a:t>5</a:t>
+            </a:r>
+          </a:p>
+        </p:txBody>
+      </p:sp>
+      <p:sp>
+        <p:nvSpPr>
+          <p:cNvPr id="18" name="Octagon 17">
+            <a:extLst>
+              <a:ext uri="{FF2B5EF4-FFF2-40B4-BE49-F238E27FC236}">
+                <a16:creationId xmlns:a16="http://schemas.microsoft.com/office/drawing/2014/main" id="{946A918E-F8EE-6F40-9E15-048E3BE0D1CF}"/>
+              </a:ext>
+            </a:extLst>
+          </p:cNvPr>
+          <p:cNvSpPr/>
+          <p:nvPr/>
+        </p:nvSpPr>
+        <p:spPr>
+          <a:xfrm>
+            <a:off x="9838552" y="589723"/>
+            <a:ext cx="364211" cy="357205"/>
+          </a:xfrm>
+          <a:prstGeom prst="octagon">
+            <a:avLst/>
+          </a:prstGeom>
+        </p:spPr>
+        <p:style>
+          <a:lnRef idx="2">
+            <a:schemeClr val="accent1">
+              <a:shade val="50000"/>
+            </a:schemeClr>
+          </a:lnRef>
+          <a:fillRef idx="1">
+            <a:schemeClr val="accent1"/>
+          </a:fillRef>
+          <a:effectRef idx="0">
+            <a:schemeClr val="accent1"/>
+          </a:effectRef>
+          <a:fontRef idx="minor">
+            <a:schemeClr val="lt1"/>
+          </a:fontRef>
+        </p:style>
+        <p:txBody>
+          <a:bodyPr rtlCol="0" anchor="ctr"/>
+          <a:lstStyle/>
+          <a:p>
+            <a:pPr algn="ctr"/>
+            <a:r>
+              <a:rPr lang="en-US" dirty="0"/>
+              <a:t>7</a:t>
             </a:r>
           </a:p>
         </p:txBody>

--- a/vscode-pvs/screenshots/vscode-pvs-user-interface.pptx
+++ b/vscode-pvs/screenshots/vscode-pvs-user-interface.pptx
@@ -259,7 +259,7 @@
           <a:p>
             <a:fld id="{238F43D6-CAA3-0448-A70D-1EAA2E9D070A}" type="datetimeFigureOut">
               <a:rPr lang="en-US" smtClean="0"/>
-              <a:t>2/5/21</a:t>
+              <a:t>4/20/21</a:t>
             </a:fld>
             <a:endParaRPr lang="en-US"/>
           </a:p>
@@ -457,7 +457,7 @@
           <a:p>
             <a:fld id="{238F43D6-CAA3-0448-A70D-1EAA2E9D070A}" type="datetimeFigureOut">
               <a:rPr lang="en-US" smtClean="0"/>
-              <a:t>2/5/21</a:t>
+              <a:t>4/20/21</a:t>
             </a:fld>
             <a:endParaRPr lang="en-US"/>
           </a:p>
@@ -665,7 +665,7 @@
           <a:p>
             <a:fld id="{238F43D6-CAA3-0448-A70D-1EAA2E9D070A}" type="datetimeFigureOut">
               <a:rPr lang="en-US" smtClean="0"/>
-              <a:t>2/5/21</a:t>
+              <a:t>4/20/21</a:t>
             </a:fld>
             <a:endParaRPr lang="en-US"/>
           </a:p>
@@ -863,7 +863,7 @@
           <a:p>
             <a:fld id="{238F43D6-CAA3-0448-A70D-1EAA2E9D070A}" type="datetimeFigureOut">
               <a:rPr lang="en-US" smtClean="0"/>
-              <a:t>2/5/21</a:t>
+              <a:t>4/20/21</a:t>
             </a:fld>
             <a:endParaRPr lang="en-US"/>
           </a:p>
@@ -1138,7 +1138,7 @@
           <a:p>
             <a:fld id="{238F43D6-CAA3-0448-A70D-1EAA2E9D070A}" type="datetimeFigureOut">
               <a:rPr lang="en-US" smtClean="0"/>
-              <a:t>2/5/21</a:t>
+              <a:t>4/20/21</a:t>
             </a:fld>
             <a:endParaRPr lang="en-US"/>
           </a:p>
@@ -1403,7 +1403,7 @@
           <a:p>
             <a:fld id="{238F43D6-CAA3-0448-A70D-1EAA2E9D070A}" type="datetimeFigureOut">
               <a:rPr lang="en-US" smtClean="0"/>
-              <a:t>2/5/21</a:t>
+              <a:t>4/20/21</a:t>
             </a:fld>
             <a:endParaRPr lang="en-US"/>
           </a:p>
@@ -1815,7 +1815,7 @@
           <a:p>
             <a:fld id="{238F43D6-CAA3-0448-A70D-1EAA2E9D070A}" type="datetimeFigureOut">
               <a:rPr lang="en-US" smtClean="0"/>
-              <a:t>2/5/21</a:t>
+              <a:t>4/20/21</a:t>
             </a:fld>
             <a:endParaRPr lang="en-US"/>
           </a:p>
@@ -1956,7 +1956,7 @@
           <a:p>
             <a:fld id="{238F43D6-CAA3-0448-A70D-1EAA2E9D070A}" type="datetimeFigureOut">
               <a:rPr lang="en-US" smtClean="0"/>
-              <a:t>2/5/21</a:t>
+              <a:t>4/20/21</a:t>
             </a:fld>
             <a:endParaRPr lang="en-US"/>
           </a:p>
@@ -2069,7 +2069,7 @@
           <a:p>
             <a:fld id="{238F43D6-CAA3-0448-A70D-1EAA2E9D070A}" type="datetimeFigureOut">
               <a:rPr lang="en-US" smtClean="0"/>
-              <a:t>2/5/21</a:t>
+              <a:t>4/20/21</a:t>
             </a:fld>
             <a:endParaRPr lang="en-US"/>
           </a:p>
@@ -2380,7 +2380,7 @@
           <a:p>
             <a:fld id="{238F43D6-CAA3-0448-A70D-1EAA2E9D070A}" type="datetimeFigureOut">
               <a:rPr lang="en-US" smtClean="0"/>
-              <a:t>2/5/21</a:t>
+              <a:t>4/20/21</a:t>
             </a:fld>
             <a:endParaRPr lang="en-US"/>
           </a:p>
@@ -2668,7 +2668,7 @@
           <a:p>
             <a:fld id="{238F43D6-CAA3-0448-A70D-1EAA2E9D070A}" type="datetimeFigureOut">
               <a:rPr lang="en-US" smtClean="0"/>
-              <a:t>2/5/21</a:t>
+              <a:t>4/20/21</a:t>
             </a:fld>
             <a:endParaRPr lang="en-US"/>
           </a:p>
@@ -2909,7 +2909,7 @@
           <a:p>
             <a:fld id="{238F43D6-CAA3-0448-A70D-1EAA2E9D070A}" type="datetimeFigureOut">
               <a:rPr lang="en-US" smtClean="0"/>
-              <a:t>2/5/21</a:t>
+              <a:t>4/20/21</a:t>
             </a:fld>
             <a:endParaRPr lang="en-US"/>
           </a:p>
@@ -3339,10 +3339,10 @@
       </p:grpSpPr>
       <p:pic>
         <p:nvPicPr>
-          <p:cNvPr id="3" name="Picture 2">
-            <a:extLst>
-              <a:ext uri="{FF2B5EF4-FFF2-40B4-BE49-F238E27FC236}">
-                <a16:creationId xmlns:a16="http://schemas.microsoft.com/office/drawing/2014/main" id="{55613C92-7BFB-0340-9DF2-5C5C5C57F698}"/>
+          <p:cNvPr id="12" name="Picture 11" descr="Text&#10;&#10;Description automatically generated">
+            <a:extLst>
+              <a:ext uri="{FF2B5EF4-FFF2-40B4-BE49-F238E27FC236}">
+                <a16:creationId xmlns:a16="http://schemas.microsoft.com/office/drawing/2014/main" id="{E27DE32C-51BE-9447-85AB-72956A22A385}"/>
               </a:ext>
             </a:extLst>
           </p:cNvPr>
@@ -3359,8 +3359,8 @@
         </p:blipFill>
         <p:spPr>
           <a:xfrm>
-            <a:off x="1212368" y="449573"/>
-            <a:ext cx="9198734" cy="5810635"/>
+            <a:off x="1209700" y="419595"/>
+            <a:ext cx="10574452" cy="5670485"/>
           </a:xfrm>
           <a:prstGeom prst="rect">
             <a:avLst/>
@@ -3433,8 +3433,8 @@
         </p:nvSpPr>
         <p:spPr>
           <a:xfrm>
-            <a:off x="1588152" y="597792"/>
-            <a:ext cx="3053296" cy="2652825"/>
+            <a:off x="1588151" y="597792"/>
+            <a:ext cx="2121151" cy="2081613"/>
           </a:xfrm>
           <a:prstGeom prst="rect">
             <a:avLst/>
@@ -3485,8 +3485,8 @@
         </p:nvSpPr>
         <p:spPr>
           <a:xfrm>
-            <a:off x="1588153" y="3250618"/>
-            <a:ext cx="3057782" cy="1588375"/>
+            <a:off x="1588152" y="2679406"/>
+            <a:ext cx="2122609" cy="1987680"/>
           </a:xfrm>
           <a:prstGeom prst="rect">
             <a:avLst/>
@@ -3537,8 +3537,8 @@
         </p:nvSpPr>
         <p:spPr>
           <a:xfrm>
-            <a:off x="1588152" y="4838997"/>
-            <a:ext cx="3057782" cy="1237711"/>
+            <a:off x="1588152" y="4667086"/>
+            <a:ext cx="2122611" cy="1223352"/>
           </a:xfrm>
           <a:prstGeom prst="rect">
             <a:avLst/>
@@ -3589,8 +3589,8 @@
         </p:nvSpPr>
         <p:spPr>
           <a:xfrm>
-            <a:off x="4641448" y="597792"/>
-            <a:ext cx="5774140" cy="2652827"/>
+            <a:off x="3710760" y="597792"/>
+            <a:ext cx="8073389" cy="2089681"/>
           </a:xfrm>
           <a:prstGeom prst="rect">
             <a:avLst/>
@@ -3641,8 +3641,8 @@
         </p:nvSpPr>
         <p:spPr>
           <a:xfrm>
-            <a:off x="4641446" y="3250621"/>
-            <a:ext cx="5774140" cy="2826087"/>
+            <a:off x="3710763" y="2679405"/>
+            <a:ext cx="8073389" cy="3211033"/>
           </a:xfrm>
           <a:prstGeom prst="rect">
             <a:avLst/>
@@ -3742,7 +3742,7 @@
         </p:nvSpPr>
         <p:spPr>
           <a:xfrm>
-            <a:off x="3331023" y="1301310"/>
+            <a:off x="2944951" y="1281393"/>
             <a:ext cx="364211" cy="357205"/>
           </a:xfrm>
           <a:prstGeom prst="octagon">
@@ -3791,7 +3791,7 @@
         </p:nvSpPr>
         <p:spPr>
           <a:xfrm>
-            <a:off x="3275668" y="3635359"/>
+            <a:off x="2944951" y="3618211"/>
             <a:ext cx="364211" cy="357205"/>
           </a:xfrm>
           <a:prstGeom prst="octagon">
@@ -3840,7 +3840,7 @@
         </p:nvSpPr>
         <p:spPr>
           <a:xfrm>
-            <a:off x="7665480" y="4576811"/>
+            <a:off x="8324698" y="4576811"/>
             <a:ext cx="364211" cy="357205"/>
           </a:xfrm>
           <a:prstGeom prst="octagon">
@@ -3889,7 +3889,7 @@
         </p:nvSpPr>
         <p:spPr>
           <a:xfrm>
-            <a:off x="3275667" y="5335538"/>
+            <a:off x="2944950" y="5278762"/>
             <a:ext cx="364211" cy="357205"/>
           </a:xfrm>
           <a:prstGeom prst="octagon">
@@ -3938,8 +3938,8 @@
         </p:nvSpPr>
         <p:spPr>
           <a:xfrm>
-            <a:off x="7950842" y="597791"/>
-            <a:ext cx="2460260" cy="357205"/>
+            <a:off x="9333068" y="597791"/>
+            <a:ext cx="2451081" cy="357205"/>
           </a:xfrm>
           <a:prstGeom prst="rect">
             <a:avLst/>
@@ -3990,7 +3990,7 @@
         </p:nvSpPr>
         <p:spPr>
           <a:xfrm>
-            <a:off x="7665480" y="1301310"/>
+            <a:off x="8324698" y="1301310"/>
             <a:ext cx="364211" cy="357205"/>
           </a:xfrm>
           <a:prstGeom prst="octagon">
@@ -4039,7 +4039,7 @@
         </p:nvSpPr>
         <p:spPr>
           <a:xfrm>
-            <a:off x="9838552" y="589723"/>
+            <a:off x="8913517" y="589723"/>
             <a:ext cx="364211" cy="357205"/>
           </a:xfrm>
           <a:prstGeom prst="octagon">
